--- a/hw2/guess.pptx
+++ b/hw2/guess.pptx
@@ -107,6 +107,11 @@
       </a:defRPr>
     </a:lvl9pPr>
   </p:defaultTextStyle>
+  <p:extLst>
+    <p:ext uri="{EFAFB233-063F-42B5-8137-9DF3F51BA10A}">
+      <p15:sldGuideLst xmlns:p15="http://schemas.microsoft.com/office/powerpoint/2012/main"/>
+    </p:ext>
+  </p:extLst>
 </p:presentation>
 </file>
 
@@ -192,7 +197,7 @@
           <a:p>
             <a:fld id="{1DAAB0BB-1BD5-0746-A642-933185240BD1}" type="datetimeFigureOut">
               <a:rPr kumimoji="1" lang="zh-TW" altLang="en-US" smtClean="0"/>
-              <a:t>2016/3/28</a:t>
+              <a:t>2016/4/11</a:t>
             </a:fld>
             <a:endParaRPr kumimoji="1" lang="zh-TW" altLang="en-US"/>
           </a:p>
@@ -675,7 +680,7 @@
           <a:p>
             <a:fld id="{E9B828E5-D7B5-8440-BD96-3464F3F2B04B}" type="datetimeFigureOut">
               <a:rPr kumimoji="1" lang="zh-TW" altLang="en-US" smtClean="0"/>
-              <a:t>2016/3/28</a:t>
+              <a:t>2016/4/11</a:t>
             </a:fld>
             <a:endParaRPr kumimoji="1" lang="zh-TW" altLang="en-US"/>
           </a:p>
@@ -845,7 +850,7 @@
           <a:p>
             <a:fld id="{E9B828E5-D7B5-8440-BD96-3464F3F2B04B}" type="datetimeFigureOut">
               <a:rPr kumimoji="1" lang="zh-TW" altLang="en-US" smtClean="0"/>
-              <a:t>2016/3/28</a:t>
+              <a:t>2016/4/11</a:t>
             </a:fld>
             <a:endParaRPr kumimoji="1" lang="zh-TW" altLang="en-US"/>
           </a:p>
@@ -1025,7 +1030,7 @@
           <a:p>
             <a:fld id="{E9B828E5-D7B5-8440-BD96-3464F3F2B04B}" type="datetimeFigureOut">
               <a:rPr kumimoji="1" lang="zh-TW" altLang="en-US" smtClean="0"/>
-              <a:t>2016/3/28</a:t>
+              <a:t>2016/4/11</a:t>
             </a:fld>
             <a:endParaRPr kumimoji="1" lang="zh-TW" altLang="en-US"/>
           </a:p>
@@ -1195,7 +1200,7 @@
           <a:p>
             <a:fld id="{E9B828E5-D7B5-8440-BD96-3464F3F2B04B}" type="datetimeFigureOut">
               <a:rPr kumimoji="1" lang="zh-TW" altLang="en-US" smtClean="0"/>
-              <a:t>2016/3/28</a:t>
+              <a:t>2016/4/11</a:t>
             </a:fld>
             <a:endParaRPr kumimoji="1" lang="zh-TW" altLang="en-US"/>
           </a:p>
@@ -1441,7 +1446,7 @@
           <a:p>
             <a:fld id="{E9B828E5-D7B5-8440-BD96-3464F3F2B04B}" type="datetimeFigureOut">
               <a:rPr kumimoji="1" lang="zh-TW" altLang="en-US" smtClean="0"/>
-              <a:t>2016/3/28</a:t>
+              <a:t>2016/4/11</a:t>
             </a:fld>
             <a:endParaRPr kumimoji="1" lang="zh-TW" altLang="en-US"/>
           </a:p>
@@ -1673,7 +1678,7 @@
           <a:p>
             <a:fld id="{E9B828E5-D7B5-8440-BD96-3464F3F2B04B}" type="datetimeFigureOut">
               <a:rPr kumimoji="1" lang="zh-TW" altLang="en-US" smtClean="0"/>
-              <a:t>2016/3/28</a:t>
+              <a:t>2016/4/11</a:t>
             </a:fld>
             <a:endParaRPr kumimoji="1" lang="zh-TW" altLang="en-US"/>
           </a:p>
@@ -2040,7 +2045,7 @@
           <a:p>
             <a:fld id="{E9B828E5-D7B5-8440-BD96-3464F3F2B04B}" type="datetimeFigureOut">
               <a:rPr kumimoji="1" lang="zh-TW" altLang="en-US" smtClean="0"/>
-              <a:t>2016/3/28</a:t>
+              <a:t>2016/4/11</a:t>
             </a:fld>
             <a:endParaRPr kumimoji="1" lang="zh-TW" altLang="en-US"/>
           </a:p>
@@ -2158,7 +2163,7 @@
           <a:p>
             <a:fld id="{E9B828E5-D7B5-8440-BD96-3464F3F2B04B}" type="datetimeFigureOut">
               <a:rPr kumimoji="1" lang="zh-TW" altLang="en-US" smtClean="0"/>
-              <a:t>2016/3/28</a:t>
+              <a:t>2016/4/11</a:t>
             </a:fld>
             <a:endParaRPr kumimoji="1" lang="zh-TW" altLang="en-US"/>
           </a:p>
@@ -2253,7 +2258,7 @@
           <a:p>
             <a:fld id="{E9B828E5-D7B5-8440-BD96-3464F3F2B04B}" type="datetimeFigureOut">
               <a:rPr kumimoji="1" lang="zh-TW" altLang="en-US" smtClean="0"/>
-              <a:t>2016/3/28</a:t>
+              <a:t>2016/4/11</a:t>
             </a:fld>
             <a:endParaRPr kumimoji="1" lang="zh-TW" altLang="en-US"/>
           </a:p>
@@ -2530,7 +2535,7 @@
           <a:p>
             <a:fld id="{E9B828E5-D7B5-8440-BD96-3464F3F2B04B}" type="datetimeFigureOut">
               <a:rPr kumimoji="1" lang="zh-TW" altLang="en-US" smtClean="0"/>
-              <a:t>2016/3/28</a:t>
+              <a:t>2016/4/11</a:t>
             </a:fld>
             <a:endParaRPr kumimoji="1" lang="zh-TW" altLang="en-US"/>
           </a:p>
@@ -2783,7 +2788,7 @@
           <a:p>
             <a:fld id="{E9B828E5-D7B5-8440-BD96-3464F3F2B04B}" type="datetimeFigureOut">
               <a:rPr kumimoji="1" lang="zh-TW" altLang="en-US" smtClean="0"/>
-              <a:t>2016/3/28</a:t>
+              <a:t>2016/4/11</a:t>
             </a:fld>
             <a:endParaRPr kumimoji="1" lang="zh-TW" altLang="en-US"/>
           </a:p>
@@ -2996,7 +3001,7 @@
           <a:p>
             <a:fld id="{E9B828E5-D7B5-8440-BD96-3464F3F2B04B}" type="datetimeFigureOut">
               <a:rPr kumimoji="1" lang="zh-TW" altLang="en-US" smtClean="0"/>
-              <a:t>2016/3/28</a:t>
+              <a:t>2016/4/11</a:t>
             </a:fld>
             <a:endParaRPr kumimoji="1" lang="zh-TW" altLang="en-US"/>
           </a:p>
@@ -3529,8 +3534,8 @@
         </p:nvSpPr>
         <p:spPr>
           <a:xfrm>
-            <a:off x="1621756" y="414867"/>
-            <a:ext cx="976549" cy="369332"/>
+            <a:off x="1337254" y="440470"/>
+            <a:ext cx="1384097" cy="369332"/>
           </a:xfrm>
           <a:prstGeom prst="rect">
             <a:avLst/>
@@ -3544,8 +3549,12 @@
           <a:lstStyle/>
           <a:p>
             <a:r>
-              <a:rPr kumimoji="1" lang="en-US" altLang="zh-TW" dirty="0" smtClean="0"/>
-              <a:t>sample4</a:t>
+              <a:rPr kumimoji="1" lang="en-US" altLang="zh-TW"/>
+              <a:t>s</a:t>
+            </a:r>
+            <a:r>
+              <a:rPr kumimoji="1" lang="en-US" altLang="zh-TW" smtClean="0"/>
+              <a:t>ample4.raw</a:t>
             </a:r>
             <a:endParaRPr kumimoji="1" lang="zh-TW" altLang="en-US" dirty="0"/>
           </a:p>
@@ -3559,8 +3568,8 @@
         </p:nvSpPr>
         <p:spPr>
           <a:xfrm>
-            <a:off x="10179155" y="2463800"/>
-            <a:ext cx="976549" cy="369332"/>
+            <a:off x="9968225" y="2542962"/>
+            <a:ext cx="1384097" cy="369332"/>
           </a:xfrm>
           <a:prstGeom prst="rect">
             <a:avLst/>
@@ -3574,8 +3583,12 @@
           <a:lstStyle/>
           <a:p>
             <a:r>
+              <a:rPr kumimoji="1" lang="en-US" altLang="zh-TW" dirty="0"/>
+              <a:t>s</a:t>
+            </a:r>
+            <a:r>
               <a:rPr kumimoji="1" lang="en-US" altLang="zh-TW" dirty="0" smtClean="0"/>
-              <a:t>sample5</a:t>
+              <a:t>ample5.raw</a:t>
             </a:r>
             <a:endParaRPr kumimoji="1" lang="zh-TW" altLang="en-US" dirty="0"/>
           </a:p>
@@ -3590,7 +3603,7 @@
         <p:spPr>
           <a:xfrm>
             <a:off x="6405534" y="8084692"/>
-            <a:ext cx="976549" cy="369332"/>
+            <a:ext cx="1384097" cy="369332"/>
           </a:xfrm>
           <a:prstGeom prst="rect">
             <a:avLst/>
@@ -3609,8 +3622,9 @@
             </a:r>
             <a:r>
               <a:rPr kumimoji="1" lang="en-US" altLang="zh-TW" dirty="0" smtClean="0"/>
-              <a:t>ample6</a:t>
-            </a:r>
+              <a:t>ample6.raw</a:t>
+            </a:r>
+            <a:endParaRPr kumimoji="1" lang="en-US" altLang="zh-TW" dirty="0" smtClean="0"/>
           </a:p>
         </p:txBody>
       </p:sp>
@@ -3622,8 +3636,8 @@
         </p:nvSpPr>
         <p:spPr>
           <a:xfrm>
-            <a:off x="291163" y="5722749"/>
-            <a:ext cx="976549" cy="369332"/>
+            <a:off x="-192527" y="5762808"/>
+            <a:ext cx="1384097" cy="369332"/>
           </a:xfrm>
           <a:prstGeom prst="rect">
             <a:avLst/>
@@ -3637,8 +3651,12 @@
           <a:lstStyle/>
           <a:p>
             <a:r>
-              <a:rPr kumimoji="1" lang="en-US" altLang="zh-TW" dirty="0" smtClean="0"/>
-              <a:t>sample7</a:t>
+              <a:rPr kumimoji="1" lang="en-US" altLang="zh-TW"/>
+              <a:t>s</a:t>
+            </a:r>
+            <a:r>
+              <a:rPr kumimoji="1" lang="en-US" altLang="zh-TW" smtClean="0"/>
+              <a:t>ample7.raw</a:t>
             </a:r>
             <a:endParaRPr kumimoji="1" lang="zh-TW" altLang="en-US" dirty="0"/>
           </a:p>
